--- a/第一组+秦均+戴启兴.pptx
+++ b/第一组+秦均+戴启兴.pptx
@@ -4278,11 +4278,7 @@
             </a:r>
             <a:r>
               <a:rPr lang="zh-CN" altLang="en-US" sz="2400"/>
-              <a:t>基于网格的</a:t>
-            </a:r>
-            <a:r>
-              <a:rPr lang="zh-CN" altLang="en-US" sz="2400"/>
-              <a:t>布置</a:t>
+              <a:t>基于网格的布置</a:t>
             </a:r>
             <a:endParaRPr lang="zh-CN" altLang="en-US" sz="2400"/>
           </a:p>
@@ -4545,53 +4541,23 @@
               <a:rPr lang="zh-CN" altLang="en-US" sz="2400"/>
               <a:t>的消失导致可以继续移动，导致可能出现多个弹窗</a:t>
             </a:r>
+            <a:r>
+              <a:rPr lang="en-US" altLang="zh-CN" sz="2400"/>
+              <a:t>--</a:t>
+            </a:r>
+            <a:r>
+              <a:rPr lang="zh-CN" altLang="en-US" sz="2400"/>
+              <a:t>已解决</a:t>
+            </a:r>
             <a:endParaRPr lang="zh-CN" altLang="en-US" sz="2400"/>
           </a:p>
           <a:p>
-            <a:endParaRPr lang="zh-CN" altLang="en-US" sz="2400"/>
+            <a:endParaRPr lang="en-US" altLang="zh-CN" sz="2400"/>
           </a:p>
           <a:p>
             <a:r>
               <a:rPr lang="zh-CN" altLang="en-US" sz="2400"/>
-              <a:t>为了维持</a:t>
-            </a:r>
-            <a:r>
-              <a:rPr lang="en-US" altLang="zh-CN" sz="2400"/>
-              <a:t>contact</a:t>
-            </a:r>
-            <a:r>
-              <a:rPr lang="zh-CN" altLang="en-US" sz="2400"/>
-              <a:t>状态，排除起跳问题，</a:t>
-            </a:r>
-            <a:r>
-              <a:rPr lang="en-US" altLang="zh-CN" sz="2400"/>
-              <a:t>playerdie</a:t>
-            </a:r>
-            <a:r>
-              <a:rPr lang="zh-CN" altLang="en-US" sz="2400"/>
-              <a:t>过后</a:t>
-            </a:r>
-            <a:r>
-              <a:rPr lang="en-US" altLang="zh-CN" sz="2400"/>
-              <a:t>visible</a:t>
-            </a:r>
-            <a:r>
-              <a:rPr lang="zh-CN" altLang="en-US" sz="2400"/>
-              <a:t>为</a:t>
-            </a:r>
-            <a:r>
-              <a:rPr lang="en-US" altLang="zh-CN" sz="2400"/>
-              <a:t>true</a:t>
-            </a:r>
-            <a:endParaRPr lang="en-US" altLang="zh-CN" sz="2400"/>
-          </a:p>
-          <a:p>
-            <a:endParaRPr lang="en-US" altLang="zh-CN" sz="2400"/>
-          </a:p>
-          <a:p>
-            <a:r>
-              <a:rPr lang="zh-CN" altLang="en-US" sz="2400"/>
-              <a:t>以及碰撞检测导致移动到</a:t>
+              <a:t>碰撞检测导致移动到</a:t>
             </a:r>
             <a:r>
               <a:rPr lang="en-US" altLang="zh-CN" sz="2400"/>
